--- a/TNSDC-Project-PPT.pptx
+++ b/TNSDC-Project-PPT.pptx
@@ -3009,90 +3009,6 @@
           </a:p>
         </p:txBody>
       </p:sp>
-      <p:sp>
-        <p:nvSpPr>
-          <p:cNvPr id="8" name="object 8"/>
-          <p:cNvSpPr txBox="1"/>
-          <p:nvPr/>
-        </p:nvSpPr>
-        <p:spPr>
-          <a:xfrm>
-            <a:off x="683259" y="6111875"/>
-            <a:ext cx="1230630" cy="335280"/>
-          </a:xfrm>
-          <a:prstGeom prst="rect">
-            <a:avLst/>
-          </a:prstGeom>
-        </p:spPr>
-        <p:txBody>
-          <a:bodyPr vert="horz" wrap="square" lIns="0" tIns="16510" rIns="0" bIns="0" rtlCol="0">
-            <a:spAutoFit/>
-          </a:bodyPr>
-          <a:lstStyle/>
-          <a:p>
-            <a:pPr marL="12700">
-              <a:lnSpc>
-                <a:spcPct val="100%"/>
-              </a:lnSpc>
-              <a:spcBef>
-                <a:spcPts val="130"/>
-              </a:spcBef>
-            </a:pPr>
-            <a:r>
-              <a:rPr sz="2000" u="sng" dirty="0">
-                <a:solidFill>
-                  <a:srgbClr val="006FC0"/>
-                </a:solidFill>
-                <a:uFill>
-                  <a:solidFill>
-                    <a:srgbClr val="006FC0"/>
-                  </a:solidFill>
-                </a:uFill>
-                <a:latin typeface="Trebuchet MS"/>
-                <a:cs typeface="Trebuchet MS"/>
-                <a:hlinkClick r:id="rId3" action="ppaction://hlinkfile"/>
-              </a:rPr>
-              <a:t>Demo</a:t>
-            </a:r>
-            <a:r>
-              <a:rPr sz="2000" u="sng" spc="10" dirty="0">
-                <a:solidFill>
-                  <a:srgbClr val="006FC0"/>
-                </a:solidFill>
-                <a:uFill>
-                  <a:solidFill>
-                    <a:srgbClr val="006FC0"/>
-                  </a:solidFill>
-                </a:uFill>
-                <a:latin typeface="Trebuchet MS"/>
-                <a:cs typeface="Trebuchet MS"/>
-                <a:hlinkClick r:id="rId3" action="ppaction://hlinkfile"/>
-              </a:rPr>
-              <a:t> </a:t>
-            </a:r>
-            <a:r>
-              <a:rPr sz="2000" u="sng" spc="-20" dirty="0">
-                <a:solidFill>
-                  <a:srgbClr val="006FC0"/>
-                </a:solidFill>
-                <a:uFill>
-                  <a:solidFill>
-                    <a:srgbClr val="006FC0"/>
-                  </a:solidFill>
-                </a:uFill>
-                <a:latin typeface="Trebuchet MS"/>
-                <a:cs typeface="Trebuchet MS"/>
-                <a:hlinkClick r:id="rId3" action="ppaction://hlinkfile"/>
-              </a:rPr>
-              <a:t>Link</a:t>
-            </a:r>
-            <a:endParaRPr sz="2000" dirty="0">
-              <a:latin typeface="Trebuchet MS"/>
-              <a:cs typeface="Trebuchet MS"/>
-            </a:endParaRPr>
-          </a:p>
-        </p:txBody>
-      </p:sp>
       <p:pic>
         <p:nvPicPr>
           <p:cNvPr id="11" name="Picture 10">
@@ -3108,14 +3024,14 @@
           <p:nvPr/>
         </p:nvPicPr>
         <p:blipFill>
-          <a:blip r:embed="rId4"/>
+          <a:blip r:embed="rId3"/>
           <a:stretch>
             <a:fillRect/>
           </a:stretch>
         </p:blipFill>
         <p:spPr>
           <a:xfrm>
-            <a:off x="752475" y="1295400"/>
+            <a:off x="829959" y="1295400"/>
             <a:ext cx="7171041" cy="3825572"/>
           </a:xfrm>
           <a:prstGeom prst="rect">
@@ -3343,90 +3259,6 @@
           </a:p>
         </p:txBody>
       </p:sp>
-      <p:sp>
-        <p:nvSpPr>
-          <p:cNvPr id="8" name="object 8"/>
-          <p:cNvSpPr txBox="1"/>
-          <p:nvPr/>
-        </p:nvSpPr>
-        <p:spPr>
-          <a:xfrm>
-            <a:off x="683259" y="6111875"/>
-            <a:ext cx="1230630" cy="335280"/>
-          </a:xfrm>
-          <a:prstGeom prst="rect">
-            <a:avLst/>
-          </a:prstGeom>
-        </p:spPr>
-        <p:txBody>
-          <a:bodyPr vert="horz" wrap="square" lIns="0" tIns="16510" rIns="0" bIns="0" rtlCol="0">
-            <a:spAutoFit/>
-          </a:bodyPr>
-          <a:lstStyle/>
-          <a:p>
-            <a:pPr marL="12700">
-              <a:lnSpc>
-                <a:spcPct val="100%"/>
-              </a:lnSpc>
-              <a:spcBef>
-                <a:spcPts val="130"/>
-              </a:spcBef>
-            </a:pPr>
-            <a:r>
-              <a:rPr sz="2000" u="sng" dirty="0">
-                <a:solidFill>
-                  <a:srgbClr val="006FC0"/>
-                </a:solidFill>
-                <a:uFill>
-                  <a:solidFill>
-                    <a:srgbClr val="006FC0"/>
-                  </a:solidFill>
-                </a:uFill>
-                <a:latin typeface="Trebuchet MS"/>
-                <a:cs typeface="Trebuchet MS"/>
-                <a:hlinkClick r:id="rId3"/>
-              </a:rPr>
-              <a:t>Demo</a:t>
-            </a:r>
-            <a:r>
-              <a:rPr sz="2000" u="sng" spc="10" dirty="0">
-                <a:solidFill>
-                  <a:srgbClr val="006FC0"/>
-                </a:solidFill>
-                <a:uFill>
-                  <a:solidFill>
-                    <a:srgbClr val="006FC0"/>
-                  </a:solidFill>
-                </a:uFill>
-                <a:latin typeface="Trebuchet MS"/>
-                <a:cs typeface="Trebuchet MS"/>
-                <a:hlinkClick r:id="rId3"/>
-              </a:rPr>
-              <a:t> </a:t>
-            </a:r>
-            <a:r>
-              <a:rPr sz="2000" u="sng" spc="-20" dirty="0">
-                <a:solidFill>
-                  <a:srgbClr val="006FC0"/>
-                </a:solidFill>
-                <a:uFill>
-                  <a:solidFill>
-                    <a:srgbClr val="006FC0"/>
-                  </a:solidFill>
-                </a:uFill>
-                <a:latin typeface="Trebuchet MS"/>
-                <a:cs typeface="Trebuchet MS"/>
-                <a:hlinkClick r:id="rId3"/>
-              </a:rPr>
-              <a:t>Link</a:t>
-            </a:r>
-            <a:endParaRPr sz="2000" dirty="0">
-              <a:latin typeface="Trebuchet MS"/>
-              <a:cs typeface="Trebuchet MS"/>
-            </a:endParaRPr>
-          </a:p>
-        </p:txBody>
-      </p:sp>
       <p:pic>
         <p:nvPicPr>
           <p:cNvPr id="10" name="Picture 9">
@@ -3442,7 +3274,7 @@
           <p:nvPr/>
         </p:nvPicPr>
         <p:blipFill>
-          <a:blip r:embed="rId4"/>
+          <a:blip r:embed="rId3"/>
           <a:stretch>
             <a:fillRect/>
           </a:stretch>
@@ -3682,90 +3514,6 @@
           </a:p>
         </p:txBody>
       </p:sp>
-      <p:sp>
-        <p:nvSpPr>
-          <p:cNvPr id="8" name="object 8"/>
-          <p:cNvSpPr txBox="1"/>
-          <p:nvPr/>
-        </p:nvSpPr>
-        <p:spPr>
-          <a:xfrm>
-            <a:off x="683259" y="6111875"/>
-            <a:ext cx="1230630" cy="335280"/>
-          </a:xfrm>
-          <a:prstGeom prst="rect">
-            <a:avLst/>
-          </a:prstGeom>
-        </p:spPr>
-        <p:txBody>
-          <a:bodyPr vert="horz" wrap="square" lIns="0" tIns="16510" rIns="0" bIns="0" rtlCol="0">
-            <a:spAutoFit/>
-          </a:bodyPr>
-          <a:lstStyle/>
-          <a:p>
-            <a:pPr marL="12700">
-              <a:lnSpc>
-                <a:spcPct val="100%"/>
-              </a:lnSpc>
-              <a:spcBef>
-                <a:spcPts val="130"/>
-              </a:spcBef>
-            </a:pPr>
-            <a:r>
-              <a:rPr sz="2000" u="sng" dirty="0">
-                <a:solidFill>
-                  <a:srgbClr val="006FC0"/>
-                </a:solidFill>
-                <a:uFill>
-                  <a:solidFill>
-                    <a:srgbClr val="006FC0"/>
-                  </a:solidFill>
-                </a:uFill>
-                <a:latin typeface="Trebuchet MS"/>
-                <a:cs typeface="Trebuchet MS"/>
-                <a:hlinkClick r:id="rId3"/>
-              </a:rPr>
-              <a:t>Demo</a:t>
-            </a:r>
-            <a:r>
-              <a:rPr sz="2000" u="sng" spc="10" dirty="0">
-                <a:solidFill>
-                  <a:srgbClr val="006FC0"/>
-                </a:solidFill>
-                <a:uFill>
-                  <a:solidFill>
-                    <a:srgbClr val="006FC0"/>
-                  </a:solidFill>
-                </a:uFill>
-                <a:latin typeface="Trebuchet MS"/>
-                <a:cs typeface="Trebuchet MS"/>
-                <a:hlinkClick r:id="rId3"/>
-              </a:rPr>
-              <a:t> </a:t>
-            </a:r>
-            <a:r>
-              <a:rPr sz="2000" u="sng" spc="-20" dirty="0">
-                <a:solidFill>
-                  <a:srgbClr val="006FC0"/>
-                </a:solidFill>
-                <a:uFill>
-                  <a:solidFill>
-                    <a:srgbClr val="006FC0"/>
-                  </a:solidFill>
-                </a:uFill>
-                <a:latin typeface="Trebuchet MS"/>
-                <a:cs typeface="Trebuchet MS"/>
-                <a:hlinkClick r:id="rId3"/>
-              </a:rPr>
-              <a:t>Link</a:t>
-            </a:r>
-            <a:endParaRPr sz="2000" dirty="0">
-              <a:latin typeface="Trebuchet MS"/>
-              <a:cs typeface="Trebuchet MS"/>
-            </a:endParaRPr>
-          </a:p>
-        </p:txBody>
-      </p:sp>
       <p:pic>
         <p:nvPicPr>
           <p:cNvPr id="4" name="Picture 3">
@@ -3781,7 +3529,7 @@
           <p:nvPr/>
         </p:nvPicPr>
         <p:blipFill>
-          <a:blip r:embed="rId4"/>
+          <a:blip r:embed="rId3"/>
           <a:stretch>
             <a:fillRect/>
           </a:stretch>
@@ -4360,90 +4108,6 @@
           </a:p>
         </p:txBody>
       </p:sp>
-      <p:sp>
-        <p:nvSpPr>
-          <p:cNvPr id="8" name="object 8"/>
-          <p:cNvSpPr txBox="1"/>
-          <p:nvPr/>
-        </p:nvSpPr>
-        <p:spPr>
-          <a:xfrm>
-            <a:off x="683259" y="6111875"/>
-            <a:ext cx="1230630" cy="335280"/>
-          </a:xfrm>
-          <a:prstGeom prst="rect">
-            <a:avLst/>
-          </a:prstGeom>
-        </p:spPr>
-        <p:txBody>
-          <a:bodyPr vert="horz" wrap="square" lIns="0" tIns="16510" rIns="0" bIns="0" rtlCol="0">
-            <a:spAutoFit/>
-          </a:bodyPr>
-          <a:lstStyle/>
-          <a:p>
-            <a:pPr marL="12700">
-              <a:lnSpc>
-                <a:spcPct val="100%"/>
-              </a:lnSpc>
-              <a:spcBef>
-                <a:spcPts val="130"/>
-              </a:spcBef>
-            </a:pPr>
-            <a:r>
-              <a:rPr sz="2000" u="sng" dirty="0">
-                <a:solidFill>
-                  <a:srgbClr val="006FC0"/>
-                </a:solidFill>
-                <a:uFill>
-                  <a:solidFill>
-                    <a:srgbClr val="006FC0"/>
-                  </a:solidFill>
-                </a:uFill>
-                <a:latin typeface="Trebuchet MS"/>
-                <a:cs typeface="Trebuchet MS"/>
-                <a:hlinkClick r:id="rId3"/>
-              </a:rPr>
-              <a:t>Demo</a:t>
-            </a:r>
-            <a:r>
-              <a:rPr sz="2000" u="sng" spc="10" dirty="0">
-                <a:solidFill>
-                  <a:srgbClr val="006FC0"/>
-                </a:solidFill>
-                <a:uFill>
-                  <a:solidFill>
-                    <a:srgbClr val="006FC0"/>
-                  </a:solidFill>
-                </a:uFill>
-                <a:latin typeface="Trebuchet MS"/>
-                <a:cs typeface="Trebuchet MS"/>
-                <a:hlinkClick r:id="rId3"/>
-              </a:rPr>
-              <a:t> </a:t>
-            </a:r>
-            <a:r>
-              <a:rPr sz="2000" u="sng" spc="-20" dirty="0">
-                <a:solidFill>
-                  <a:srgbClr val="006FC0"/>
-                </a:solidFill>
-                <a:uFill>
-                  <a:solidFill>
-                    <a:srgbClr val="006FC0"/>
-                  </a:solidFill>
-                </a:uFill>
-                <a:latin typeface="Trebuchet MS"/>
-                <a:cs typeface="Trebuchet MS"/>
-                <a:hlinkClick r:id="rId3"/>
-              </a:rPr>
-              <a:t>Link</a:t>
-            </a:r>
-            <a:endParaRPr sz="2000" dirty="0">
-              <a:latin typeface="Trebuchet MS"/>
-              <a:cs typeface="Trebuchet MS"/>
-            </a:endParaRPr>
-          </a:p>
-        </p:txBody>
-      </p:sp>
       <p:pic>
         <p:nvPicPr>
           <p:cNvPr id="4" name="Picture 3">
@@ -4459,7 +4123,7 @@
           <p:nvPr/>
         </p:nvPicPr>
         <p:blipFill>
-          <a:blip r:embed="rId4"/>
+          <a:blip r:embed="rId3"/>
           <a:stretch>
             <a:fillRect/>
           </a:stretch>
@@ -4763,90 +4427,6 @@
       </p:sp>
       <p:sp>
         <p:nvSpPr>
-          <p:cNvPr id="8" name="object 8"/>
-          <p:cNvSpPr txBox="1"/>
-          <p:nvPr/>
-        </p:nvSpPr>
-        <p:spPr>
-          <a:xfrm>
-            <a:off x="683259" y="6111875"/>
-            <a:ext cx="1230630" cy="335280"/>
-          </a:xfrm>
-          <a:prstGeom prst="rect">
-            <a:avLst/>
-          </a:prstGeom>
-        </p:spPr>
-        <p:txBody>
-          <a:bodyPr vert="horz" wrap="square" lIns="0" tIns="16510" rIns="0" bIns="0" rtlCol="0">
-            <a:spAutoFit/>
-          </a:bodyPr>
-          <a:lstStyle/>
-          <a:p>
-            <a:pPr marL="12700">
-              <a:lnSpc>
-                <a:spcPct val="100%"/>
-              </a:lnSpc>
-              <a:spcBef>
-                <a:spcPts val="130"/>
-              </a:spcBef>
-            </a:pPr>
-            <a:r>
-              <a:rPr sz="2000" u="sng" dirty="0">
-                <a:solidFill>
-                  <a:srgbClr val="006FC0"/>
-                </a:solidFill>
-                <a:uFill>
-                  <a:solidFill>
-                    <a:srgbClr val="006FC0"/>
-                  </a:solidFill>
-                </a:uFill>
-                <a:latin typeface="Trebuchet MS"/>
-                <a:cs typeface="Trebuchet MS"/>
-                <a:hlinkClick r:id="rId3"/>
-              </a:rPr>
-              <a:t>Demo</a:t>
-            </a:r>
-            <a:r>
-              <a:rPr sz="2000" u="sng" spc="10" dirty="0">
-                <a:solidFill>
-                  <a:srgbClr val="006FC0"/>
-                </a:solidFill>
-                <a:uFill>
-                  <a:solidFill>
-                    <a:srgbClr val="006FC0"/>
-                  </a:solidFill>
-                </a:uFill>
-                <a:latin typeface="Trebuchet MS"/>
-                <a:cs typeface="Trebuchet MS"/>
-                <a:hlinkClick r:id="rId3"/>
-              </a:rPr>
-              <a:t> </a:t>
-            </a:r>
-            <a:r>
-              <a:rPr sz="2000" u="sng" spc="-20" dirty="0">
-                <a:solidFill>
-                  <a:srgbClr val="006FC0"/>
-                </a:solidFill>
-                <a:uFill>
-                  <a:solidFill>
-                    <a:srgbClr val="006FC0"/>
-                  </a:solidFill>
-                </a:uFill>
-                <a:latin typeface="Trebuchet MS"/>
-                <a:cs typeface="Trebuchet MS"/>
-                <a:hlinkClick r:id="rId3"/>
-              </a:rPr>
-              <a:t>Link</a:t>
-            </a:r>
-            <a:endParaRPr sz="2000" dirty="0">
-              <a:latin typeface="Trebuchet MS"/>
-              <a:cs typeface="Trebuchet MS"/>
-            </a:endParaRPr>
-          </a:p>
-        </p:txBody>
-      </p:sp>
-      <p:sp>
-        <p:nvSpPr>
           <p:cNvPr id="11" name="object 7">
             <a:extLst>
               <a:ext uri="{FF2B5EF4-FFF2-40B4-BE49-F238E27FC236}">
@@ -4905,7 +4485,7 @@
           <p:nvPr/>
         </p:nvPicPr>
         <p:blipFill>
-          <a:blip r:embed="rId4"/>
+          <a:blip r:embed="rId3"/>
           <a:stretch>
             <a:fillRect/>
           </a:stretch>
@@ -5147,90 +4727,6 @@
       </p:sp>
       <p:sp>
         <p:nvSpPr>
-          <p:cNvPr id="8" name="object 8"/>
-          <p:cNvSpPr txBox="1"/>
-          <p:nvPr/>
-        </p:nvSpPr>
-        <p:spPr>
-          <a:xfrm>
-            <a:off x="683259" y="6111875"/>
-            <a:ext cx="1230630" cy="335280"/>
-          </a:xfrm>
-          <a:prstGeom prst="rect">
-            <a:avLst/>
-          </a:prstGeom>
-        </p:spPr>
-        <p:txBody>
-          <a:bodyPr vert="horz" wrap="square" lIns="0" tIns="16510" rIns="0" bIns="0" rtlCol="0">
-            <a:spAutoFit/>
-          </a:bodyPr>
-          <a:lstStyle/>
-          <a:p>
-            <a:pPr marL="12700">
-              <a:lnSpc>
-                <a:spcPct val="100%"/>
-              </a:lnSpc>
-              <a:spcBef>
-                <a:spcPts val="130"/>
-              </a:spcBef>
-            </a:pPr>
-            <a:r>
-              <a:rPr sz="2000" u="sng" dirty="0">
-                <a:solidFill>
-                  <a:srgbClr val="006FC0"/>
-                </a:solidFill>
-                <a:uFill>
-                  <a:solidFill>
-                    <a:srgbClr val="006FC0"/>
-                  </a:solidFill>
-                </a:uFill>
-                <a:latin typeface="Trebuchet MS"/>
-                <a:cs typeface="Trebuchet MS"/>
-                <a:hlinkClick r:id="rId3"/>
-              </a:rPr>
-              <a:t>Demo</a:t>
-            </a:r>
-            <a:r>
-              <a:rPr sz="2000" u="sng" spc="10" dirty="0">
-                <a:solidFill>
-                  <a:srgbClr val="006FC0"/>
-                </a:solidFill>
-                <a:uFill>
-                  <a:solidFill>
-                    <a:srgbClr val="006FC0"/>
-                  </a:solidFill>
-                </a:uFill>
-                <a:latin typeface="Trebuchet MS"/>
-                <a:cs typeface="Trebuchet MS"/>
-                <a:hlinkClick r:id="rId3"/>
-              </a:rPr>
-              <a:t> </a:t>
-            </a:r>
-            <a:r>
-              <a:rPr sz="2000" u="sng" spc="-20" dirty="0">
-                <a:solidFill>
-                  <a:srgbClr val="006FC0"/>
-                </a:solidFill>
-                <a:uFill>
-                  <a:solidFill>
-                    <a:srgbClr val="006FC0"/>
-                  </a:solidFill>
-                </a:uFill>
-                <a:latin typeface="Trebuchet MS"/>
-                <a:cs typeface="Trebuchet MS"/>
-                <a:hlinkClick r:id="rId3"/>
-              </a:rPr>
-              <a:t>Link</a:t>
-            </a:r>
-            <a:endParaRPr sz="2000" dirty="0">
-              <a:latin typeface="Trebuchet MS"/>
-              <a:cs typeface="Trebuchet MS"/>
-            </a:endParaRPr>
-          </a:p>
-        </p:txBody>
-      </p:sp>
-      <p:sp>
-        <p:nvSpPr>
           <p:cNvPr id="11" name="object 7">
             <a:extLst>
               <a:ext uri="{FF2B5EF4-FFF2-40B4-BE49-F238E27FC236}">
@@ -5289,7 +4785,7 @@
           <p:nvPr/>
         </p:nvPicPr>
         <p:blipFill>
-          <a:blip r:embed="rId4"/>
+          <a:blip r:embed="rId3"/>
           <a:stretch>
             <a:fillRect/>
           </a:stretch>
@@ -8727,7 +8223,7 @@
               <a:rPr sz="3600" spc="-10" dirty="0"/>
               <a:t>PROPOSITION</a:t>
             </a:r>
-            <a:endParaRPr sz="3600"/>
+            <a:endParaRPr sz="3600" dirty="0"/>
           </a:p>
         </p:txBody>
       </p:sp>
@@ -9215,7 +8711,7 @@
               <a:rPr sz="4250" spc="-10" dirty="0"/>
               <a:t>SOLUTION</a:t>
             </a:r>
-            <a:endParaRPr sz="4250"/>
+            <a:endParaRPr sz="4250" dirty="0"/>
           </a:p>
         </p:txBody>
       </p:sp>
